--- a/src/lectures/rest-api-basics/rest-api-basics.pptx
+++ b/src/lectures/rest-api-basics/rest-api-basics.pptx
@@ -217,7 +217,7 @@
           <a:p>
             <a:fld id="{EBEE5AE1-1D5F-483D-90B5-92A2A708F59B}" type="datetimeFigureOut">
               <a:rPr lang="en-US" smtClean="0"/>
-              <a:t>2018-08-29</a:t>
+              <a:t>1/6/2022</a:t>
             </a:fld>
             <a:endParaRPr lang="en-US" dirty="0"/>
           </a:p>
@@ -610,7 +610,7 @@
           <a:p>
             <a:fld id="{428859CC-B640-4DB3-BB6F-301CDED75AAD}" type="datetimeFigureOut">
               <a:rPr lang="sv-SE" smtClean="0"/>
-              <a:t>2018-08-29</a:t>
+              <a:t>2022-01-06</a:t>
             </a:fld>
             <a:endParaRPr lang="sv-SE"/>
           </a:p>
@@ -960,7 +960,7 @@
           <a:p>
             <a:fld id="{428859CC-B640-4DB3-BB6F-301CDED75AAD}" type="datetimeFigureOut">
               <a:rPr lang="sv-SE" smtClean="0"/>
-              <a:t>2018-08-29</a:t>
+              <a:t>2022-01-06</a:t>
             </a:fld>
             <a:endParaRPr lang="sv-SE"/>
           </a:p>
@@ -1210,7 +1210,7 @@
           <a:p>
             <a:fld id="{428859CC-B640-4DB3-BB6F-301CDED75AAD}" type="datetimeFigureOut">
               <a:rPr lang="sv-SE" smtClean="0"/>
-              <a:t>2018-08-29</a:t>
+              <a:t>2022-01-06</a:t>
             </a:fld>
             <a:endParaRPr lang="sv-SE"/>
           </a:p>
@@ -1569,7 +1569,7 @@
           <a:p>
             <a:fld id="{428859CC-B640-4DB3-BB6F-301CDED75AAD}" type="datetimeFigureOut">
               <a:rPr lang="sv-SE" smtClean="0"/>
-              <a:t>2018-08-29</a:t>
+              <a:t>2022-01-06</a:t>
             </a:fld>
             <a:endParaRPr lang="sv-SE"/>
           </a:p>
@@ -1920,7 +1920,7 @@
           <a:p>
             <a:fld id="{428859CC-B640-4DB3-BB6F-301CDED75AAD}" type="datetimeFigureOut">
               <a:rPr lang="sv-SE" smtClean="0"/>
-              <a:t>2018-08-29</a:t>
+              <a:t>2022-01-06</a:t>
             </a:fld>
             <a:endParaRPr lang="sv-SE"/>
           </a:p>
@@ -2352,7 +2352,7 @@
           <a:p>
             <a:fld id="{428859CC-B640-4DB3-BB6F-301CDED75AAD}" type="datetimeFigureOut">
               <a:rPr lang="sv-SE" smtClean="0"/>
-              <a:t>2018-08-29</a:t>
+              <a:t>2022-01-06</a:t>
             </a:fld>
             <a:endParaRPr lang="sv-SE"/>
           </a:p>
@@ -2776,7 +2776,7 @@
           <a:p>
             <a:fld id="{428859CC-B640-4DB3-BB6F-301CDED75AAD}" type="datetimeFigureOut">
               <a:rPr lang="sv-SE" smtClean="0"/>
-              <a:t>2018-08-29</a:t>
+              <a:t>2022-01-06</a:t>
             </a:fld>
             <a:endParaRPr lang="sv-SE"/>
           </a:p>
@@ -3208,7 +3208,7 @@
           <a:p>
             <a:fld id="{428859CC-B640-4DB3-BB6F-301CDED75AAD}" type="datetimeFigureOut">
               <a:rPr lang="sv-SE" smtClean="0"/>
-              <a:t>2018-08-29</a:t>
+              <a:t>2022-01-06</a:t>
             </a:fld>
             <a:endParaRPr lang="sv-SE"/>
           </a:p>
@@ -3537,7 +3537,7 @@
           <a:p>
             <a:fld id="{428859CC-B640-4DB3-BB6F-301CDED75AAD}" type="datetimeFigureOut">
               <a:rPr lang="sv-SE" smtClean="0"/>
-              <a:t>2018-08-29</a:t>
+              <a:t>2022-01-06</a:t>
             </a:fld>
             <a:endParaRPr lang="sv-SE"/>
           </a:p>
@@ -3737,7 +3737,7 @@
           <a:p>
             <a:fld id="{428859CC-B640-4DB3-BB6F-301CDED75AAD}" type="datetimeFigureOut">
               <a:rPr lang="sv-SE" smtClean="0"/>
-              <a:t>2018-08-29</a:t>
+              <a:t>2022-01-06</a:t>
             </a:fld>
             <a:endParaRPr lang="sv-SE"/>
           </a:p>
@@ -3898,7 +3898,7 @@
           <a:p>
             <a:fld id="{428859CC-B640-4DB3-BB6F-301CDED75AAD}" type="datetimeFigureOut">
               <a:rPr lang="sv-SE" smtClean="0"/>
-              <a:t>2018-08-29</a:t>
+              <a:t>2022-01-06</a:t>
             </a:fld>
             <a:endParaRPr lang="sv-SE"/>
           </a:p>
@@ -4169,7 +4169,7 @@
           <a:p>
             <a:fld id="{428859CC-B640-4DB3-BB6F-301CDED75AAD}" type="datetimeFigureOut">
               <a:rPr lang="sv-SE" smtClean="0"/>
-              <a:t>2018-08-29</a:t>
+              <a:t>2022-01-06</a:t>
             </a:fld>
             <a:endParaRPr lang="sv-SE"/>
           </a:p>
@@ -4374,7 +4374,7 @@
           <a:p>
             <a:fld id="{428859CC-B640-4DB3-BB6F-301CDED75AAD}" type="datetimeFigureOut">
               <a:rPr lang="sv-SE" smtClean="0"/>
-              <a:t>2018-08-29</a:t>
+              <a:t>2022-01-06</a:t>
             </a:fld>
             <a:endParaRPr lang="sv-SE"/>
           </a:p>
@@ -4596,7 +4596,7 @@
           <a:p>
             <a:fld id="{428859CC-B640-4DB3-BB6F-301CDED75AAD}" type="datetimeFigureOut">
               <a:rPr lang="sv-SE" smtClean="0"/>
-              <a:t>2018-08-29</a:t>
+              <a:t>2022-01-06</a:t>
             </a:fld>
             <a:endParaRPr lang="sv-SE"/>
           </a:p>
@@ -4830,7 +4830,7 @@
           <a:p>
             <a:fld id="{428859CC-B640-4DB3-BB6F-301CDED75AAD}" type="datetimeFigureOut">
               <a:rPr lang="sv-SE" smtClean="0"/>
-              <a:t>2018-08-29</a:t>
+              <a:t>2022-01-06</a:t>
             </a:fld>
             <a:endParaRPr lang="sv-SE"/>
           </a:p>
@@ -5052,7 +5052,7 @@
           <a:p>
             <a:fld id="{428859CC-B640-4DB3-BB6F-301CDED75AAD}" type="datetimeFigureOut">
               <a:rPr lang="sv-SE" smtClean="0"/>
-              <a:t>2018-08-29</a:t>
+              <a:t>2022-01-06</a:t>
             </a:fld>
             <a:endParaRPr lang="sv-SE"/>
           </a:p>
@@ -5286,7 +5286,7 @@
           <a:p>
             <a:fld id="{428859CC-B640-4DB3-BB6F-301CDED75AAD}" type="datetimeFigureOut">
               <a:rPr lang="sv-SE" smtClean="0"/>
-              <a:t>2018-08-29</a:t>
+              <a:t>2022-01-06</a:t>
             </a:fld>
             <a:endParaRPr lang="sv-SE"/>
           </a:p>
@@ -5700,7 +5700,7 @@
           <a:p>
             <a:fld id="{428859CC-B640-4DB3-BB6F-301CDED75AAD}" type="datetimeFigureOut">
               <a:rPr lang="sv-SE" smtClean="0"/>
-              <a:t>2018-08-29</a:t>
+              <a:t>2022-01-06</a:t>
             </a:fld>
             <a:endParaRPr lang="sv-SE"/>
           </a:p>
@@ -6112,7 +6112,7 @@
           <a:p>
             <a:fld id="{428859CC-B640-4DB3-BB6F-301CDED75AAD}" type="datetimeFigureOut">
               <a:rPr lang="sv-SE" smtClean="0"/>
-              <a:t>2018-08-29</a:t>
+              <a:t>2022-01-06</a:t>
             </a:fld>
             <a:endParaRPr lang="sv-SE"/>
           </a:p>
@@ -6429,7 +6429,7 @@
           <a:p>
             <a:fld id="{428859CC-B640-4DB3-BB6F-301CDED75AAD}" type="datetimeFigureOut">
               <a:rPr lang="sv-SE" smtClean="0"/>
-              <a:t>2018-08-29</a:t>
+              <a:t>2022-01-06</a:t>
             </a:fld>
             <a:endParaRPr lang="sv-SE"/>
           </a:p>
@@ -6744,7 +6744,7 @@
           <a:p>
             <a:fld id="{428859CC-B640-4DB3-BB6F-301CDED75AAD}" type="datetimeFigureOut">
               <a:rPr lang="sv-SE" smtClean="0"/>
-              <a:t>2018-08-29</a:t>
+              <a:t>2022-01-06</a:t>
             </a:fld>
             <a:endParaRPr lang="sv-SE"/>
           </a:p>
@@ -7032,7 +7032,7 @@
           <a:p>
             <a:fld id="{428859CC-B640-4DB3-BB6F-301CDED75AAD}" type="datetimeFigureOut">
               <a:rPr lang="sv-SE" smtClean="0"/>
-              <a:t>2018-08-29</a:t>
+              <a:t>2022-01-06</a:t>
             </a:fld>
             <a:endParaRPr lang="sv-SE"/>
           </a:p>
@@ -7389,7 +7389,7 @@
           <a:p>
             <a:fld id="{428859CC-B640-4DB3-BB6F-301CDED75AAD}" type="datetimeFigureOut">
               <a:rPr lang="sv-SE" smtClean="0"/>
-              <a:t>2018-08-29</a:t>
+              <a:t>2022-01-06</a:t>
             </a:fld>
             <a:endParaRPr lang="sv-SE"/>
           </a:p>
@@ -7671,7 +7671,7 @@
           <a:p>
             <a:fld id="{428859CC-B640-4DB3-BB6F-301CDED75AAD}" type="datetimeFigureOut">
               <a:rPr lang="sv-SE" smtClean="0"/>
-              <a:t>2018-08-29</a:t>
+              <a:t>2022-01-06</a:t>
             </a:fld>
             <a:endParaRPr lang="sv-SE"/>
           </a:p>
@@ -33373,7 +33373,7 @@
             <a:pPr lvl="1"/>
             <a:r>
               <a:rPr lang="en-US" dirty="0"/>
-              <a:t>Client can apply CRUD operations on resources.</a:t>
+              <a:t>Clients can apply CRUD operations on resources on the server.</a:t>
             </a:r>
           </a:p>
         </p:txBody>
